--- a/lectures3/Pythonlearn-07-Files.pptx
+++ b/lectures3/Pythonlearn-07-Files.pptx
@@ -4952,7 +4952,7 @@
               <a:buNone/>
             </a:pPr>
             <a:r>
-              <a:rPr lang="pl" sz="3200" b="0" i="0" u="none" strike="noStrike" cap="none" baseline="0">
+              <a:rPr lang="pl" sz="3200" b="0" i="0" u="none" strike="noStrike" cap="none" baseline="0" dirty="0">
                 <a:solidFill>
                   <a:srgbClr val="FFFF00"/>
                 </a:solidFill>
@@ -4964,7 +4964,7 @@
               <a:t>Pytho</a:t>
             </a:r>
             <a:r>
-              <a:rPr lang="pl" sz="3200" b="0" i="0" u="none" baseline="0">
+              <a:rPr lang="pl" sz="3200" b="0" i="0" u="none" baseline="0" dirty="0">
                 <a:solidFill>
                   <a:srgbClr val="FFFF00"/>
                 </a:solidFill>
@@ -5004,7 +5004,7 @@
               <a:buNone/>
             </a:pPr>
             <a:r>
-              <a:rPr lang="pl" sz="3200" b="0" i="0" u="sng" strike="noStrike" cap="none" baseline="0">
+              <a:rPr lang="pl" sz="3200" b="0" i="0" u="sng" strike="noStrike" cap="none" baseline="0" dirty="0">
                 <a:solidFill>
                   <a:srgbClr val="FFFF00"/>
                 </a:solidFill>
@@ -5014,7 +5014,20 @@
                 <a:sym typeface="Cabin"/>
                 <a:hlinkClick r:id="rId3"/>
               </a:rPr>
-              <a:t>www.py4e.com</a:t>
+              <a:t>www.py4e.</a:t>
+            </a:r>
+            <a:r>
+              <a:rPr lang="en-US" sz="3200" b="0" i="0" u="sng" strike="noStrike" cap="none" baseline="0">
+                <a:solidFill>
+                  <a:srgbClr val="FFFF00"/>
+                </a:solidFill>
+                <a:latin typeface="Arial" charset="0"/>
+                <a:ea typeface="Arial" charset="0"/>
+                <a:cs typeface="Arial" charset="0"/>
+                <a:sym typeface="Cabin"/>
+                <a:hlinkClick r:id="rId3"/>
+              </a:rPr>
+              <a:t>pl</a:t>
             </a:r>
             <a:endParaRPr lang="pl" sz="3200" u="sng" strike="noStrike" cap="none" dirty="0">
               <a:solidFill>
@@ -5024,7 +5037,7 @@
               <a:ea typeface="Arial" charset="0"/>
               <a:cs typeface="Arial" charset="0"/>
               <a:sym typeface="Cabin"/>
-              <a:hlinkClick r:id="rId3"/>
+              <a:hlinkClick r:id="rId4"/>
             </a:endParaRPr>
           </a:p>
         </p:txBody>
@@ -5036,7 +5049,7 @@
           <p:nvPr/>
         </p:nvPicPr>
         <p:blipFill rotWithShape="1">
-          <a:blip r:embed="rId4">
+          <a:blip r:embed="rId5">
             <a:alphaModFix/>
           </a:blip>
           <a:srcRect/>
@@ -5063,7 +5076,7 @@
           <p:nvPr/>
         </p:nvPicPr>
         <p:blipFill rotWithShape="1">
-          <a:blip r:embed="rId5">
+          <a:blip r:embed="rId6">
             <a:alphaModFix/>
           </a:blip>
           <a:srcRect/>
@@ -6637,7 +6650,7 @@
               <a:buNone/>
             </a:pPr>
             <a:r>
-              <a:rPr lang="pl" sz="3000" b="0" i="0" u="none" strike="noStrike" cap="none" baseline="0">
+              <a:rPr lang="pl" sz="3000" b="0" i="0" u="none" strike="noStrike" cap="none" baseline="0" dirty="0">
                 <a:solidFill>
                   <a:srgbClr val="00FF00"/>
                 </a:solidFill>
@@ -6649,7 +6662,7 @@
               <a:t>fhand</a:t>
             </a:r>
             <a:r>
-              <a:rPr lang="pl" sz="3000" b="0" i="0" u="none" strike="noStrike" cap="none" baseline="0">
+              <a:rPr lang="pl" sz="3000" b="0" i="0" u="none" strike="noStrike" cap="none" baseline="0" dirty="0">
                 <a:solidFill>
                   <a:schemeClr val="lt1"/>
                 </a:solidFill>
@@ -6661,7 +6674,7 @@
               <a:t> = </a:t>
             </a:r>
             <a:r>
-              <a:rPr lang="pl" sz="3000" b="0" i="0" u="none" strike="noStrike" cap="none" baseline="0">
+              <a:rPr lang="pl" sz="3000" b="0" i="0" u="none" strike="noStrike" cap="none" baseline="0" dirty="0">
                 <a:solidFill>
                   <a:srgbClr val="FF00FF"/>
                 </a:solidFill>
@@ -6673,16 +6686,40 @@
               <a:t>open</a:t>
             </a:r>
             <a:r>
-              <a:rPr lang="pl" sz="3000" b="0" i="0" u="none" strike="noStrike" cap="none" baseline="0">
-                <a:solidFill>
-                  <a:schemeClr val="lt1"/>
-                </a:solidFill>
-                <a:latin typeface="Courier"/>
-                <a:ea typeface="Courier"/>
-                <a:cs typeface="Courier"/>
-                <a:sym typeface="Courier New"/>
-              </a:rPr>
-              <a:t>('mbox.txt')</a:t>
+              <a:rPr lang="pl" sz="3000" b="0" i="0" u="none" strike="noStrike" cap="none" baseline="0" dirty="0">
+                <a:solidFill>
+                  <a:schemeClr val="lt1"/>
+                </a:solidFill>
+                <a:latin typeface="Courier"/>
+                <a:ea typeface="Courier"/>
+                <a:cs typeface="Courier"/>
+                <a:sym typeface="Courier New"/>
+              </a:rPr>
+              <a:t>('mbox</a:t>
+            </a:r>
+            <a:r>
+              <a:rPr lang="en-US" sz="3000" b="0" i="0" u="none" strike="noStrike" cap="none" baseline="0" dirty="0">
+                <a:solidFill>
+                  <a:schemeClr val="lt1"/>
+                </a:solidFill>
+                <a:latin typeface="Courier"/>
+                <a:ea typeface="Courier"/>
+                <a:cs typeface="Courier"/>
+                <a:sym typeface="Courier New"/>
+              </a:rPr>
+              <a:t>-short</a:t>
+            </a:r>
+            <a:r>
+              <a:rPr lang="pl" sz="3000" b="0" i="0" u="none" strike="noStrike" cap="none" baseline="0" dirty="0">
+                <a:solidFill>
+                  <a:schemeClr val="lt1"/>
+                </a:solidFill>
+                <a:latin typeface="Courier"/>
+                <a:ea typeface="Courier"/>
+                <a:cs typeface="Courier"/>
+                <a:sym typeface="Courier New"/>
+              </a:rPr>
+              <a:t>.txt')</a:t>
             </a:r>
           </a:p>
           <a:p>
@@ -6704,7 +6741,7 @@
               <a:buNone/>
             </a:pPr>
             <a:r>
-              <a:rPr lang="pl" sz="3000" b="0" i="0" u="none" strike="noStrike" cap="none" baseline="0">
+              <a:rPr lang="pl" sz="3000" b="0" i="0" u="none" strike="noStrike" cap="none" baseline="0" dirty="0">
                 <a:solidFill>
                   <a:srgbClr val="FF7F00"/>
                 </a:solidFill>
@@ -6716,7 +6753,7 @@
               <a:t>count</a:t>
             </a:r>
             <a:r>
-              <a:rPr lang="pl" sz="3000" b="0" i="0" u="none" strike="noStrike" cap="none" baseline="0">
+              <a:rPr lang="pl" sz="3000" b="0" i="0" u="none" strike="noStrike" cap="none" baseline="0" dirty="0">
                 <a:solidFill>
                   <a:schemeClr val="lt1"/>
                 </a:solidFill>
@@ -6747,7 +6784,7 @@
               <a:buNone/>
             </a:pPr>
             <a:r>
-              <a:rPr lang="pl" sz="3000" b="0" i="0" u="none" strike="noStrike" cap="none" baseline="0">
+              <a:rPr lang="pl" sz="3000" b="0" i="0" u="none" strike="noStrike" cap="none" baseline="0" dirty="0">
                 <a:solidFill>
                   <a:srgbClr val="FFFF00"/>
                 </a:solidFill>
@@ -6759,7 +6796,7 @@
               <a:t>for</a:t>
             </a:r>
             <a:r>
-              <a:rPr lang="pl" sz="3000" b="0" i="0" u="none" strike="noStrike" cap="none" baseline="0">
+              <a:rPr lang="pl" sz="3000" b="0" i="0" u="none" strike="noStrike" cap="none" baseline="0" dirty="0">
                 <a:solidFill>
                   <a:schemeClr val="lt1"/>
                 </a:solidFill>
@@ -6771,7 +6808,7 @@
               <a:t> </a:t>
             </a:r>
             <a:r>
-              <a:rPr lang="pl" sz="3000" b="0" i="0" u="none" strike="noStrike" cap="none" baseline="0">
+              <a:rPr lang="pl" sz="3000" b="0" i="0" u="none" strike="noStrike" cap="none" baseline="0" dirty="0">
                 <a:solidFill>
                   <a:srgbClr val="00FF00"/>
                 </a:solidFill>
@@ -6783,7 +6820,7 @@
               <a:t>line</a:t>
             </a:r>
             <a:r>
-              <a:rPr lang="pl" sz="3000" b="0" i="0" u="none" strike="noStrike" cap="none" baseline="0">
+              <a:rPr lang="pl" sz="3000" b="0" i="0" u="none" strike="noStrike" cap="none" baseline="0" dirty="0">
                 <a:solidFill>
                   <a:schemeClr val="lt1"/>
                 </a:solidFill>
@@ -6795,7 +6832,7 @@
               <a:t> </a:t>
             </a:r>
             <a:r>
-              <a:rPr lang="pl" sz="3000" b="0" i="0" u="none" strike="noStrike" cap="none" baseline="0">
+              <a:rPr lang="pl" sz="3000" b="0" i="0" u="none" strike="noStrike" cap="none" baseline="0" dirty="0">
                 <a:solidFill>
                   <a:srgbClr val="FFFF00"/>
                 </a:solidFill>
@@ -6807,7 +6844,7 @@
               <a:t>in</a:t>
             </a:r>
             <a:r>
-              <a:rPr lang="pl" sz="3000" b="0" i="0" u="none" strike="noStrike" cap="none" baseline="0">
+              <a:rPr lang="pl" sz="3000" b="0" i="0" u="none" strike="noStrike" cap="none" baseline="0" dirty="0">
                 <a:solidFill>
                   <a:schemeClr val="lt1"/>
                 </a:solidFill>
@@ -6819,7 +6856,7 @@
               <a:t> </a:t>
             </a:r>
             <a:r>
-              <a:rPr lang="pl" sz="3000" b="0" i="0" u="none" strike="noStrike" cap="none" baseline="0">
+              <a:rPr lang="pl" sz="3000" b="0" i="0" u="none" strike="noStrike" cap="none" baseline="0" dirty="0">
                 <a:solidFill>
                   <a:srgbClr val="00FF00"/>
                 </a:solidFill>
@@ -6831,7 +6868,7 @@
               <a:t>fhand</a:t>
             </a:r>
             <a:r>
-              <a:rPr lang="pl" sz="3000" b="0" i="0" u="none" strike="noStrike" cap="none" baseline="0">
+              <a:rPr lang="pl" sz="3000" b="0" i="0" u="none" strike="noStrike" cap="none" baseline="0" dirty="0">
                 <a:solidFill>
                   <a:schemeClr val="lt1"/>
                 </a:solidFill>
@@ -6862,7 +6899,7 @@
               <a:buNone/>
             </a:pPr>
             <a:r>
-              <a:rPr lang="pl" sz="3000" b="0" i="0" u="none" baseline="0">
+              <a:rPr lang="pl" sz="3000" b="0" i="0" u="none" baseline="0" dirty="0">
                 <a:solidFill>
                   <a:schemeClr val="lt1"/>
                 </a:solidFill>
@@ -6874,7 +6911,7 @@
               <a:t>    </a:t>
             </a:r>
             <a:r>
-              <a:rPr lang="pl" sz="3000" b="0" i="0" u="none" strike="noStrike" cap="none" baseline="0">
+              <a:rPr lang="pl" sz="3000" b="0" i="0" u="none" strike="noStrike" cap="none" baseline="0" dirty="0">
                 <a:solidFill>
                   <a:srgbClr val="FF7F00"/>
                 </a:solidFill>
@@ -6886,7 +6923,7 @@
               <a:t>count</a:t>
             </a:r>
             <a:r>
-              <a:rPr lang="pl" sz="3000" b="0" i="0" u="none" strike="noStrike" cap="none" baseline="0">
+              <a:rPr lang="pl" sz="3000" b="0" i="0" u="none" strike="noStrike" cap="none" baseline="0" dirty="0">
                 <a:solidFill>
                   <a:schemeClr val="lt1"/>
                 </a:solidFill>
@@ -6898,7 +6935,7 @@
               <a:t> = </a:t>
             </a:r>
             <a:r>
-              <a:rPr lang="pl" sz="3000" b="0" i="0" u="none" strike="noStrike" cap="none" baseline="0">
+              <a:rPr lang="pl" sz="3000" b="0" i="0" u="none" strike="noStrike" cap="none" baseline="0" dirty="0">
                 <a:solidFill>
                   <a:srgbClr val="FF7F00"/>
                 </a:solidFill>
@@ -6910,7 +6947,7 @@
               <a:t>count</a:t>
             </a:r>
             <a:r>
-              <a:rPr lang="pl" sz="3000" b="0" i="0" u="none" strike="noStrike" cap="none" baseline="0">
+              <a:rPr lang="pl" sz="3000" b="0" i="0" u="none" strike="noStrike" cap="none" baseline="0" dirty="0">
                 <a:solidFill>
                   <a:schemeClr val="lt1"/>
                 </a:solidFill>
@@ -6941,7 +6978,7 @@
               <a:buNone/>
             </a:pPr>
             <a:r>
-              <a:rPr lang="pl" sz="3000" b="0" i="0" u="none" strike="noStrike" cap="none" baseline="0">
+              <a:rPr lang="pl" sz="3000" b="0" i="0" u="none" strike="noStrike" cap="none" baseline="0" dirty="0">
                 <a:solidFill>
                   <a:srgbClr val="FFFF00"/>
                 </a:solidFill>
@@ -6953,7 +6990,7 @@
               <a:t>print</a:t>
             </a:r>
             <a:r>
-              <a:rPr lang="pl" sz="3000" b="0" i="0" u="none" baseline="0">
+              <a:rPr lang="pl" sz="3000" b="0" i="0" u="none" baseline="0" dirty="0">
                 <a:solidFill>
                   <a:schemeClr val="lt1"/>
                 </a:solidFill>
@@ -6965,7 +7002,7 @@
               <a:t>(</a:t>
             </a:r>
             <a:r>
-              <a:rPr lang="pl" sz="3000" b="0" i="0" u="none" strike="noStrike" cap="none" baseline="0">
+              <a:rPr lang="pl" sz="3000" b="0" i="0" u="none" strike="noStrike" cap="none" baseline="0" dirty="0">
                 <a:solidFill>
                   <a:schemeClr val="lt1"/>
                 </a:solidFill>
@@ -6977,7 +7014,7 @@
               <a:t>'liczba linii:', </a:t>
             </a:r>
             <a:r>
-              <a:rPr lang="pl" sz="3000" b="0" i="0" u="none" strike="noStrike" cap="none" baseline="0">
+              <a:rPr lang="pl" sz="3000" b="0" i="0" u="none" strike="noStrike" cap="none" baseline="0" dirty="0">
                 <a:solidFill>
                   <a:srgbClr val="FF7F00"/>
                 </a:solidFill>
@@ -6989,7 +7026,7 @@
               <a:t>count</a:t>
             </a:r>
             <a:r>
-              <a:rPr lang="pl" sz="3000" b="0" i="0" u="none" strike="noStrike" cap="none" baseline="0">
+              <a:rPr lang="pl" sz="3000" b="0" i="0" u="none" strike="noStrike" cap="none" baseline="0" dirty="0">
                 <a:solidFill>
                   <a:schemeClr val="bg1"/>
                 </a:solidFill>
@@ -7075,7 +7112,7 @@
               <a:buNone/>
             </a:pPr>
             <a:r>
-              <a:rPr lang="pl" sz="3000" b="0" i="0" u="none" strike="noStrike" cap="none" baseline="0">
+              <a:rPr lang="pl" sz="3000" b="0" i="0" u="none" strike="noStrike" cap="none" baseline="0" dirty="0">
                 <a:solidFill>
                   <a:schemeClr val="lt1"/>
                 </a:solidFill>
@@ -7087,7 +7124,7 @@
               <a:t>$</a:t>
             </a:r>
             <a:r>
-              <a:rPr lang="pl" sz="3000" b="0" i="0" u="none" strike="noStrike" cap="none" baseline="0">
+              <a:rPr lang="pl" sz="3000" b="0" i="0" u="none" strike="noStrike" cap="none" baseline="0" dirty="0">
                 <a:solidFill>
                   <a:srgbClr val="00FF00"/>
                 </a:solidFill>
@@ -7096,7 +7133,31 @@
                 <a:cs typeface="Courier"/>
                 <a:sym typeface="Courier New"/>
               </a:rPr>
-              <a:t> python open.py</a:t>
+              <a:t> python</a:t>
+            </a:r>
+            <a:r>
+              <a:rPr lang="en-US" sz="3000" b="0" i="0" u="none" strike="noStrike" cap="none" baseline="0" dirty="0">
+                <a:solidFill>
+                  <a:srgbClr val="00FF00"/>
+                </a:solidFill>
+                <a:latin typeface="Courier"/>
+                <a:ea typeface="Courier"/>
+                <a:cs typeface="Courier"/>
+                <a:sym typeface="Courier New"/>
+              </a:rPr>
+              <a:t>3</a:t>
+            </a:r>
+            <a:r>
+              <a:rPr lang="pl" sz="3000" b="0" i="0" u="none" strike="noStrike" cap="none" baseline="0" dirty="0">
+                <a:solidFill>
+                  <a:srgbClr val="00FF00"/>
+                </a:solidFill>
+                <a:latin typeface="Courier"/>
+                <a:ea typeface="Courier"/>
+                <a:cs typeface="Courier"/>
+                <a:sym typeface="Courier New"/>
+              </a:rPr>
+              <a:t> open.py</a:t>
             </a:r>
             <a:endParaRPr lang="pl" sz="3000" i="0" u="none" strike="noStrike" cap="none" dirty="0">
               <a:solidFill>
@@ -7127,17 +7188,38 @@
               <a:buNone/>
             </a:pPr>
             <a:r>
-              <a:rPr lang="pl" sz="3000" b="0" i="0" u="none" strike="noStrike" cap="none" baseline="0">
-                <a:solidFill>
-                  <a:schemeClr val="lt1"/>
-                </a:solidFill>
-                <a:latin typeface="Courier"/>
-                <a:ea typeface="Courier"/>
-                <a:cs typeface="Courier"/>
-                <a:sym typeface="Courier New"/>
-              </a:rPr>
-              <a:t>liczba linii: 132045</a:t>
-            </a:r>
+              <a:rPr lang="pl" sz="3000" b="0" i="0" u="none" strike="noStrike" cap="none" baseline="0" dirty="0">
+                <a:solidFill>
+                  <a:schemeClr val="lt1"/>
+                </a:solidFill>
+                <a:latin typeface="Courier"/>
+                <a:ea typeface="Courier"/>
+                <a:cs typeface="Courier"/>
+                <a:sym typeface="Courier New"/>
+              </a:rPr>
+              <a:t>liczba linii: 1</a:t>
+            </a:r>
+            <a:r>
+              <a:rPr lang="en-US" sz="3000" b="0" i="0" u="none" strike="noStrike" cap="none" baseline="0">
+                <a:solidFill>
+                  <a:schemeClr val="lt1"/>
+                </a:solidFill>
+                <a:latin typeface="Courier"/>
+                <a:ea typeface="Courier"/>
+                <a:cs typeface="Courier"/>
+                <a:sym typeface="Courier New"/>
+              </a:rPr>
+              <a:t>910</a:t>
+            </a:r>
+            <a:endParaRPr lang="pl" sz="3000" b="0" i="0" u="none" strike="noStrike" cap="none" baseline="0" dirty="0">
+              <a:solidFill>
+                <a:schemeClr val="lt1"/>
+              </a:solidFill>
+              <a:latin typeface="Courier"/>
+              <a:ea typeface="Courier"/>
+              <a:cs typeface="Courier"/>
+              <a:sym typeface="Courier New"/>
+            </a:endParaRPr>
           </a:p>
         </p:txBody>
       </p:sp>
@@ -8926,7 +9008,7 @@
                 <a:cs typeface="Arial" charset="0"/>
                 <a:sym typeface="Cabin"/>
               </a:rPr>
-              <a:t> w pliku kończy się </a:t>
+              <a:t>w pliku kończy się </a:t>
             </a:r>
             <a:r>
               <a:rPr lang="pl" sz="3400" b="0" i="0" u="none" baseline="0" dirty="0">
@@ -8956,7 +9038,7 @@
               <a:buFont typeface="Cabin"/>
             </a:pPr>
             <a:r>
-              <a:rPr lang="pl" sz="3400" b="0" i="0" u="none" baseline="0" dirty="0">
+              <a:rPr lang="en-US" sz="3400" b="0" i="0" u="none" baseline="0" dirty="0" err="1">
                 <a:solidFill>
                   <a:schemeClr val="lt1"/>
                 </a:solidFill>
@@ -8965,19 +9047,43 @@
                 <a:cs typeface="Arial" charset="0"/>
                 <a:sym typeface="Cabin"/>
               </a:rPr>
-              <a:t>Instrukcja </a:t>
+              <a:t>Funkcja</a:t>
             </a:r>
             <a:r>
               <a:rPr lang="pl" sz="3400" b="0" i="0" u="none" baseline="0" dirty="0">
                 <a:solidFill>
-                  <a:srgbClr val="FFFF00"/>
+                  <a:schemeClr val="lt1"/>
                 </a:solidFill>
                 <a:latin typeface="Arial" charset="0"/>
                 <a:ea typeface="Arial" charset="0"/>
                 <a:cs typeface="Arial" charset="0"/>
                 <a:sym typeface="Cabin"/>
               </a:rPr>
+              <a:t> </a:t>
+            </a:r>
+            <a:r>
+              <a:rPr lang="pl" sz="3400" b="0" i="0" u="none" baseline="0" dirty="0">
+                <a:solidFill>
+                  <a:srgbClr val="FFFF00"/>
+                </a:solidFill>
+                <a:latin typeface="Arial" charset="0"/>
+                <a:ea typeface="Arial" charset="0"/>
+                <a:cs typeface="Arial" charset="0"/>
+                <a:sym typeface="Cabin"/>
+              </a:rPr>
               <a:t>print</a:t>
+            </a:r>
+            <a:r>
+              <a:rPr lang="en-US" sz="3400" b="0" i="0" u="none" baseline="0" dirty="0">
+                <a:solidFill>
+                  <a:srgbClr val="FFFF00"/>
+                </a:solidFill>
+                <a:latin typeface="Arial" charset="0"/>
+                <a:ea typeface="Arial" charset="0"/>
+                <a:cs typeface="Arial" charset="0"/>
+                <a:sym typeface="Cabin"/>
+              </a:rPr>
+              <a:t>()</a:t>
             </a:r>
             <a:r>
               <a:rPr lang="pl" sz="3400" b="0" i="0" u="none" baseline="0" dirty="0">
@@ -12107,7 +12213,7 @@
               <a:buNone/>
             </a:pPr>
             <a:r>
-              <a:rPr lang="pl" sz="2600" b="0" i="0" u="none" strike="noStrike" cap="none" baseline="0">
+              <a:rPr lang="pl" sz="2600" b="0" i="0" u="none" strike="noStrike" cap="none" baseline="0" dirty="0">
                 <a:solidFill>
                   <a:srgbClr val="00FF00"/>
                 </a:solidFill>
@@ -12116,8 +12222,105 @@
                 <a:cs typeface="Arial" charset="0"/>
                 <a:sym typeface="Cabin"/>
               </a:rPr>
-              <a:t>if x &lt; 3: print</a:t>
-            </a:r>
+              <a:t>if x &lt; 3</a:t>
+            </a:r>
+            <a:r>
+              <a:rPr lang="en-US" sz="2600" b="0" i="0" u="none" strike="noStrike" cap="none" baseline="0" dirty="0">
+                <a:solidFill>
+                  <a:srgbClr val="00FF00"/>
+                </a:solidFill>
+                <a:latin typeface="Arial" charset="0"/>
+                <a:ea typeface="Arial" charset="0"/>
+                <a:cs typeface="Arial" charset="0"/>
+                <a:sym typeface="Cabin"/>
+              </a:rPr>
+              <a:t>:</a:t>
+            </a:r>
+            <a:r>
+              <a:rPr lang="pl" sz="2600" b="0" i="0" u="none" strike="noStrike" cap="none" baseline="0" dirty="0">
+                <a:solidFill>
+                  <a:srgbClr val="00FF00"/>
+                </a:solidFill>
+                <a:latin typeface="Arial" charset="0"/>
+                <a:ea typeface="Arial" charset="0"/>
+                <a:cs typeface="Arial" charset="0"/>
+                <a:sym typeface="Cabin"/>
+              </a:rPr>
+              <a:t> </a:t>
+            </a:r>
+            <a:endParaRPr lang="en-US" sz="2600" b="0" i="0" u="none" strike="noStrike" cap="none" baseline="0" dirty="0">
+              <a:solidFill>
+                <a:srgbClr val="00FF00"/>
+              </a:solidFill>
+              <a:latin typeface="Arial" charset="0"/>
+              <a:ea typeface="Arial" charset="0"/>
+              <a:cs typeface="Arial" charset="0"/>
+              <a:sym typeface="Cabin"/>
+            </a:endParaRPr>
+          </a:p>
+          <a:p>
+            <a:pPr marL="0" marR="0" lvl="0" indent="0" algn="ctr" rtl="0">
+              <a:lnSpc>
+                <a:spcPct val="100000"/>
+              </a:lnSpc>
+              <a:spcBef>
+                <a:spcPts val="0"/>
+              </a:spcBef>
+              <a:spcAft>
+                <a:spcPts val="0"/>
+              </a:spcAft>
+              <a:buClr>
+                <a:srgbClr val="00FF00"/>
+              </a:buClr>
+              <a:buSzPct val="25000"/>
+              <a:buFont typeface="Cabin"/>
+              <a:buNone/>
+            </a:pPr>
+            <a:r>
+              <a:rPr lang="en-US" sz="2600" b="0" i="0" u="none" strike="noStrike" cap="none" baseline="0" dirty="0">
+                <a:solidFill>
+                  <a:srgbClr val="00FF00"/>
+                </a:solidFill>
+                <a:latin typeface="Arial" charset="0"/>
+                <a:ea typeface="Arial" charset="0"/>
+                <a:cs typeface="Arial" charset="0"/>
+                <a:sym typeface="Cabin"/>
+              </a:rPr>
+              <a:t>      p</a:t>
+            </a:r>
+            <a:r>
+              <a:rPr lang="pl" sz="2600" b="0" i="0" u="none" strike="noStrike" cap="none" baseline="0" dirty="0">
+                <a:solidFill>
+                  <a:srgbClr val="00FF00"/>
+                </a:solidFill>
+                <a:latin typeface="Arial" charset="0"/>
+                <a:ea typeface="Arial" charset="0"/>
+                <a:cs typeface="Arial" charset="0"/>
+                <a:sym typeface="Cabin"/>
+              </a:rPr>
+              <a:t>rint</a:t>
+            </a:r>
+            <a:r>
+              <a:rPr lang="en-US" sz="2600" b="0" i="0" u="none" strike="noStrike" cap="none" baseline="0" dirty="0">
+                <a:solidFill>
+                  <a:srgbClr val="00FF00"/>
+                </a:solidFill>
+                <a:latin typeface="Arial" charset="0"/>
+                <a:ea typeface="Arial" charset="0"/>
+                <a:cs typeface="Arial" charset="0"/>
+                <a:sym typeface="Cabin"/>
+              </a:rPr>
+              <a:t>(…)</a:t>
+            </a:r>
+            <a:endParaRPr lang="pl" sz="2600" b="0" i="0" u="none" strike="noStrike" cap="none" baseline="0" dirty="0">
+              <a:solidFill>
+                <a:srgbClr val="00FF00"/>
+              </a:solidFill>
+              <a:latin typeface="Arial" charset="0"/>
+              <a:ea typeface="Arial" charset="0"/>
+              <a:cs typeface="Arial" charset="0"/>
+              <a:sym typeface="Cabin"/>
+            </a:endParaRPr>
           </a:p>
         </p:txBody>
       </p:sp>
@@ -13655,7 +13858,7 @@
               <a:buNone/>
             </a:pPr>
             <a:r>
-              <a:rPr lang="pl" sz="2400" b="0" i="0" u="none" strike="noStrike" cap="none" baseline="0">
+              <a:rPr lang="pl" sz="2400" b="0" i="0" u="none" strike="noStrike" cap="none" baseline="0" dirty="0">
                 <a:solidFill>
                   <a:srgbClr val="00FF00"/>
                 </a:solidFill>
@@ -13667,7 +13870,7 @@
               <a:t>fname</a:t>
             </a:r>
             <a:r>
-              <a:rPr lang="pl" sz="2400" b="0" i="0" u="none" strike="noStrike" cap="none" baseline="0">
+              <a:rPr lang="pl" sz="2400" b="0" i="0" u="none" strike="noStrike" cap="none" baseline="0" dirty="0">
                 <a:solidFill>
                   <a:schemeClr val="lt1"/>
                 </a:solidFill>
@@ -13679,7 +13882,7 @@
               <a:t> = </a:t>
             </a:r>
             <a:r>
-              <a:rPr lang="pl" sz="2400" b="0" i="0" u="none" strike="noStrike" cap="none" baseline="0">
+              <a:rPr lang="pl" sz="2400" b="0" i="0" u="none" strike="noStrike" cap="none" baseline="0" dirty="0">
                 <a:solidFill>
                   <a:srgbClr val="FF00FF"/>
                 </a:solidFill>
@@ -13691,7 +13894,7 @@
               <a:t>input</a:t>
             </a:r>
             <a:r>
-              <a:rPr lang="pl" sz="2400" b="0" i="0" u="none" strike="noStrike" cap="none" baseline="0">
+              <a:rPr lang="pl" sz="2400" b="0" i="0" u="none" strike="noStrike" cap="none" baseline="0" dirty="0">
                 <a:solidFill>
                   <a:schemeClr val="lt1"/>
                 </a:solidFill>
@@ -13722,7 +13925,7 @@
               <a:buNone/>
             </a:pPr>
             <a:r>
-              <a:rPr lang="pl" sz="2400" b="0" i="0" u="none" strike="noStrike" cap="none" baseline="0">
+              <a:rPr lang="pl" sz="2400" b="0" i="0" u="none" strike="noStrike" cap="none" baseline="0" dirty="0">
                 <a:solidFill>
                   <a:srgbClr val="00FF00"/>
                 </a:solidFill>
@@ -13734,7 +13937,7 @@
               <a:t>fhand</a:t>
             </a:r>
             <a:r>
-              <a:rPr lang="pl" sz="2400" b="0" i="0" u="none" strike="noStrike" cap="none" baseline="0">
+              <a:rPr lang="pl" sz="2400" b="0" i="0" u="none" strike="noStrike" cap="none" baseline="0" dirty="0">
                 <a:solidFill>
                   <a:schemeClr val="lt1"/>
                 </a:solidFill>
@@ -13746,7 +13949,7 @@
               <a:t> = </a:t>
             </a:r>
             <a:r>
-              <a:rPr lang="pl" sz="2400" b="0" i="0" u="none" strike="noStrike" cap="none" baseline="0">
+              <a:rPr lang="pl" sz="2400" b="0" i="0" u="none" strike="noStrike" cap="none" baseline="0" dirty="0">
                 <a:solidFill>
                   <a:srgbClr val="FF00FF"/>
                 </a:solidFill>
@@ -13758,7 +13961,7 @@
               <a:t>open</a:t>
             </a:r>
             <a:r>
-              <a:rPr lang="pl" sz="2400" b="0" i="0" u="none" strike="noStrike" cap="none" baseline="0">
+              <a:rPr lang="pl" sz="2400" b="0" i="0" u="none" strike="noStrike" cap="none" baseline="0" dirty="0">
                 <a:solidFill>
                   <a:schemeClr val="lt1"/>
                 </a:solidFill>
@@ -13770,7 +13973,7 @@
               <a:t>(</a:t>
             </a:r>
             <a:r>
-              <a:rPr lang="pl" sz="2400" b="0" i="0" u="none" strike="noStrike" cap="none" baseline="0">
+              <a:rPr lang="pl" sz="2400" b="0" i="0" u="none" strike="noStrike" cap="none" baseline="0" dirty="0">
                 <a:solidFill>
                   <a:srgbClr val="00FF00"/>
                 </a:solidFill>
@@ -13782,7 +13985,7 @@
               <a:t>fname</a:t>
             </a:r>
             <a:r>
-              <a:rPr lang="pl" sz="2400" b="0" i="0" u="none" strike="noStrike" cap="none" baseline="0">
+              <a:rPr lang="pl" sz="2400" b="0" i="0" u="none" strike="noStrike" cap="none" baseline="0" dirty="0">
                 <a:solidFill>
                   <a:schemeClr val="lt1"/>
                 </a:solidFill>
@@ -13813,7 +14016,7 @@
               <a:buNone/>
             </a:pPr>
             <a:r>
-              <a:rPr lang="pl" sz="2400" b="0" i="0" u="none" strike="noStrike" cap="none" baseline="0">
+              <a:rPr lang="pl" sz="2400" b="0" i="0" u="none" strike="noStrike" cap="none" baseline="0" dirty="0">
                 <a:solidFill>
                   <a:srgbClr val="00FF00"/>
                 </a:solidFill>
@@ -13825,7 +14028,7 @@
               <a:t>count</a:t>
             </a:r>
             <a:r>
-              <a:rPr lang="pl" sz="2400" b="0" i="0" u="none" strike="noStrike" cap="none" baseline="0">
+              <a:rPr lang="pl" sz="2400" b="0" i="0" u="none" strike="noStrike" cap="none" baseline="0" dirty="0">
                 <a:solidFill>
                   <a:schemeClr val="lt1"/>
                 </a:solidFill>
@@ -13856,7 +14059,7 @@
               <a:buNone/>
             </a:pPr>
             <a:r>
-              <a:rPr lang="pl" sz="2400" b="0" i="0" u="none" strike="noStrike" cap="none" baseline="0">
+              <a:rPr lang="pl" sz="2400" b="0" i="0" u="none" strike="noStrike" cap="none" baseline="0" dirty="0">
                 <a:solidFill>
                   <a:srgbClr val="FFFF00"/>
                 </a:solidFill>
@@ -13868,7 +14071,7 @@
               <a:t>for</a:t>
             </a:r>
             <a:r>
-              <a:rPr lang="pl" sz="2400" b="0" i="0" u="none" strike="noStrike" cap="none" baseline="0">
+              <a:rPr lang="pl" sz="2400" b="0" i="0" u="none" strike="noStrike" cap="none" baseline="0" dirty="0">
                 <a:solidFill>
                   <a:schemeClr val="lt1"/>
                 </a:solidFill>
@@ -13880,7 +14083,7 @@
               <a:t> </a:t>
             </a:r>
             <a:r>
-              <a:rPr lang="pl" sz="2400" b="0" i="0" u="none" strike="noStrike" cap="none" baseline="0">
+              <a:rPr lang="pl" sz="2400" b="0" i="0" u="none" strike="noStrike" cap="none" baseline="0" dirty="0">
                 <a:solidFill>
                   <a:srgbClr val="00FF00"/>
                 </a:solidFill>
@@ -13892,7 +14095,7 @@
               <a:t>line</a:t>
             </a:r>
             <a:r>
-              <a:rPr lang="pl" sz="2400" b="0" i="0" u="none" strike="noStrike" cap="none" baseline="0">
+              <a:rPr lang="pl" sz="2400" b="0" i="0" u="none" strike="noStrike" cap="none" baseline="0" dirty="0">
                 <a:solidFill>
                   <a:schemeClr val="lt1"/>
                 </a:solidFill>
@@ -13904,7 +14107,7 @@
               <a:t> </a:t>
             </a:r>
             <a:r>
-              <a:rPr lang="pl" sz="2400" b="0" i="0" u="none" strike="noStrike" cap="none" baseline="0">
+              <a:rPr lang="pl" sz="2400" b="0" i="0" u="none" strike="noStrike" cap="none" baseline="0" dirty="0">
                 <a:solidFill>
                   <a:srgbClr val="FFFF00"/>
                 </a:solidFill>
@@ -13916,7 +14119,7 @@
               <a:t>in</a:t>
             </a:r>
             <a:r>
-              <a:rPr lang="pl" sz="2400" b="0" i="0" u="none" strike="noStrike" cap="none" baseline="0">
+              <a:rPr lang="pl" sz="2400" b="0" i="0" u="none" strike="noStrike" cap="none" baseline="0" dirty="0">
                 <a:solidFill>
                   <a:schemeClr val="lt1"/>
                 </a:solidFill>
@@ -13928,7 +14131,7 @@
               <a:t> </a:t>
             </a:r>
             <a:r>
-              <a:rPr lang="pl" sz="2400" b="0" i="0" u="none" strike="noStrike" cap="none" baseline="0">
+              <a:rPr lang="pl" sz="2400" b="0" i="0" u="none" strike="noStrike" cap="none" baseline="0" dirty="0">
                 <a:solidFill>
                   <a:srgbClr val="00FF00"/>
                 </a:solidFill>
@@ -13940,7 +14143,7 @@
               <a:t>fhand</a:t>
             </a:r>
             <a:r>
-              <a:rPr lang="pl" sz="2400" b="0" i="0" u="none" strike="noStrike" cap="none" baseline="0">
+              <a:rPr lang="pl" sz="2400" b="0" i="0" u="none" strike="noStrike" cap="none" baseline="0" dirty="0">
                 <a:solidFill>
                   <a:schemeClr val="lt1"/>
                 </a:solidFill>
@@ -13971,7 +14174,7 @@
               <a:buNone/>
             </a:pPr>
             <a:r>
-              <a:rPr lang="pl" sz="2400" b="0" i="0" u="none" strike="noStrike" cap="none" baseline="0">
+              <a:rPr lang="pl" sz="2400" b="0" i="0" u="none" strike="noStrike" cap="none" baseline="0" dirty="0">
                 <a:solidFill>
                   <a:schemeClr val="lt1"/>
                 </a:solidFill>
@@ -13983,7 +14186,7 @@
               <a:t>    </a:t>
             </a:r>
             <a:r>
-              <a:rPr lang="pl" sz="2400" b="0" i="0" u="none" strike="noStrike" cap="none" baseline="0">
+              <a:rPr lang="pl" sz="2400" b="0" i="0" u="none" strike="noStrike" cap="none" baseline="0" dirty="0">
                 <a:solidFill>
                   <a:srgbClr val="FFFF00"/>
                 </a:solidFill>
@@ -13995,7 +14198,7 @@
               <a:t>if</a:t>
             </a:r>
             <a:r>
-              <a:rPr lang="pl" sz="2400" b="0" i="0" u="none" strike="noStrike" cap="none" baseline="0">
+              <a:rPr lang="pl" sz="2400" b="0" i="0" u="none" strike="noStrike" cap="none" baseline="0" dirty="0">
                 <a:solidFill>
                   <a:schemeClr val="lt1"/>
                 </a:solidFill>
@@ -14007,7 +14210,7 @@
               <a:t> </a:t>
             </a:r>
             <a:r>
-              <a:rPr lang="pl" sz="2400" b="0" i="0" u="none" strike="noStrike" cap="none" baseline="0">
+              <a:rPr lang="pl" sz="2400" b="0" i="0" u="none" strike="noStrike" cap="none" baseline="0" dirty="0">
                 <a:solidFill>
                   <a:srgbClr val="00FF00"/>
                 </a:solidFill>
@@ -14019,7 +14222,7 @@
               <a:t>line</a:t>
             </a:r>
             <a:r>
-              <a:rPr lang="pl" sz="2400" b="0" i="0" u="none" strike="noStrike" cap="none" baseline="0">
+              <a:rPr lang="pl" sz="2400" b="0" i="0" u="none" strike="noStrike" cap="none" baseline="0" dirty="0">
                 <a:solidFill>
                   <a:srgbClr val="FF00FF"/>
                 </a:solidFill>
@@ -14031,7 +14234,7 @@
               <a:t>.startswith</a:t>
             </a:r>
             <a:r>
-              <a:rPr lang="pl" sz="2400" b="0" i="0" u="none" strike="noStrike" cap="none" baseline="0">
+              <a:rPr lang="pl" sz="2400" b="0" i="0" u="none" strike="noStrike" cap="none" baseline="0" dirty="0">
                 <a:solidFill>
                   <a:schemeClr val="lt1"/>
                 </a:solidFill>
@@ -14062,7 +14265,7 @@
               <a:buNone/>
             </a:pPr>
             <a:r>
-              <a:rPr lang="pl" sz="2400" b="0" i="0" u="none" strike="noStrike" cap="none" baseline="0">
+              <a:rPr lang="pl" sz="2400" b="0" i="0" u="none" strike="noStrike" cap="none" baseline="0" dirty="0">
                 <a:solidFill>
                   <a:schemeClr val="lt1"/>
                 </a:solidFill>
@@ -14074,7 +14277,7 @@
               <a:t>        </a:t>
             </a:r>
             <a:r>
-              <a:rPr lang="pl" sz="2400" b="0" i="0" u="none" strike="noStrike" cap="none" baseline="0">
+              <a:rPr lang="pl" sz="2400" b="0" i="0" u="none" strike="noStrike" cap="none" baseline="0" dirty="0">
                 <a:solidFill>
                   <a:srgbClr val="00FF00"/>
                 </a:solidFill>
@@ -14086,7 +14289,7 @@
               <a:t>count</a:t>
             </a:r>
             <a:r>
-              <a:rPr lang="pl" sz="2400" b="0" i="0" u="none" strike="noStrike" cap="none" baseline="0">
+              <a:rPr lang="pl" sz="2400" b="0" i="0" u="none" strike="noStrike" cap="none" baseline="0" dirty="0">
                 <a:solidFill>
                   <a:schemeClr val="lt1"/>
                 </a:solidFill>
@@ -14098,7 +14301,7 @@
               <a:t> = </a:t>
             </a:r>
             <a:r>
-              <a:rPr lang="pl" sz="2400" b="0" i="0" u="none" strike="noStrike" cap="none" baseline="0">
+              <a:rPr lang="pl" sz="2400" b="0" i="0" u="none" strike="noStrike" cap="none" baseline="0" dirty="0">
                 <a:solidFill>
                   <a:srgbClr val="00FF00"/>
                 </a:solidFill>
@@ -14110,7 +14313,7 @@
               <a:t>count</a:t>
             </a:r>
             <a:r>
-              <a:rPr lang="pl" sz="2400" b="0" i="0" u="none" strike="noStrike" cap="none" baseline="0">
+              <a:rPr lang="pl" sz="2400" b="0" i="0" u="none" strike="noStrike" cap="none" baseline="0" dirty="0">
                 <a:solidFill>
                   <a:schemeClr val="lt1"/>
                 </a:solidFill>
@@ -14141,7 +14344,7 @@
               <a:buNone/>
             </a:pPr>
             <a:r>
-              <a:rPr lang="pl" sz="2400" b="0" i="0" u="none" strike="noStrike" cap="none" baseline="0">
+              <a:rPr lang="pl" sz="2400" b="0" i="0" u="none" strike="noStrike" cap="none" baseline="0" dirty="0">
                 <a:solidFill>
                   <a:srgbClr val="FFFF00"/>
                 </a:solidFill>
@@ -14153,7 +14356,7 @@
               <a:t>print</a:t>
             </a:r>
             <a:r>
-              <a:rPr lang="pl" sz="2400" b="0" i="0" u="none" baseline="0">
+              <a:rPr lang="pl" sz="2400" b="0" i="0" u="none" baseline="0" dirty="0">
                 <a:solidFill>
                   <a:schemeClr val="lt1"/>
                 </a:solidFill>
@@ -14165,7 +14368,7 @@
               <a:t>(</a:t>
             </a:r>
             <a:r>
-              <a:rPr lang="pl" sz="2400" b="0" i="0" u="none" strike="noStrike" cap="none" baseline="0">
+              <a:rPr lang="pl" sz="2400" b="0" i="0" u="none" strike="noStrike" cap="none" baseline="0" dirty="0">
                 <a:solidFill>
                   <a:schemeClr val="lt1"/>
                 </a:solidFill>
@@ -14177,7 +14380,7 @@
               <a:t>'Mamy', </a:t>
             </a:r>
             <a:r>
-              <a:rPr lang="pl" sz="2400" b="0" i="0" u="none" strike="noStrike" cap="none" baseline="0">
+              <a:rPr lang="pl" sz="2400" b="0" i="0" u="none" strike="noStrike" cap="none" baseline="0" dirty="0">
                 <a:solidFill>
                   <a:srgbClr val="00FF00"/>
                 </a:solidFill>
@@ -14189,16 +14392,40 @@
               <a:t>count</a:t>
             </a:r>
             <a:r>
-              <a:rPr lang="pl" sz="2400" b="0" i="0" u="none" strike="noStrike" cap="none" baseline="0">
-                <a:solidFill>
-                  <a:schemeClr val="lt1"/>
-                </a:solidFill>
-                <a:latin typeface="Courier"/>
-                <a:ea typeface="Courier"/>
-                <a:cs typeface="Courier"/>
-                <a:sym typeface="Courier New"/>
-              </a:rPr>
-              <a:t>, 'linii z tematem w pliku', fname)</a:t>
+              <a:rPr lang="pl" sz="2400" b="0" i="0" u="none" strike="noStrike" cap="none" baseline="0" dirty="0">
+                <a:solidFill>
+                  <a:schemeClr val="lt1"/>
+                </a:solidFill>
+                <a:latin typeface="Courier"/>
+                <a:ea typeface="Courier"/>
+                <a:cs typeface="Courier"/>
+                <a:sym typeface="Courier New"/>
+              </a:rPr>
+              <a:t>, 'linii z tematem w pliku', </a:t>
+            </a:r>
+            <a:r>
+              <a:rPr lang="pl" sz="2400" b="0" i="0" u="none" strike="noStrike" cap="none" baseline="0" dirty="0">
+                <a:solidFill>
+                  <a:srgbClr val="00FF00"/>
+                </a:solidFill>
+                <a:latin typeface="Courier"/>
+                <a:ea typeface="Courier"/>
+                <a:cs typeface="Courier"/>
+                <a:sym typeface="Courier New"/>
+              </a:rPr>
+              <a:t>fname</a:t>
+            </a:r>
+            <a:r>
+              <a:rPr lang="pl" sz="2400" b="0" i="0" u="none" strike="noStrike" cap="none" baseline="0" dirty="0">
+                <a:solidFill>
+                  <a:schemeClr val="lt1"/>
+                </a:solidFill>
+                <a:latin typeface="Courier"/>
+                <a:ea typeface="Courier"/>
+                <a:cs typeface="Courier"/>
+                <a:sym typeface="Courier New"/>
+              </a:rPr>
+              <a:t>)</a:t>
             </a:r>
             <a:endParaRPr lang="pl" sz="2400" i="0" u="none" strike="noStrike" cap="none" dirty="0">
               <a:solidFill>
@@ -14599,9 +14826,7 @@
           </a:prstGeom>
           <a:noFill/>
           <a:ln w="12700" cap="rnd" cmpd="sng">
-            <a:solidFill>
-              <a:schemeClr val="lt1"/>
-            </a:solidFill>
+            <a:noFill/>
             <a:prstDash val="solid"/>
             <a:miter/>
             <a:headEnd type="none" w="med" len="med"/>
@@ -14632,7 +14857,7 @@
               <a:buNone/>
             </a:pPr>
             <a:r>
-              <a:rPr lang="pl" sz="2400" b="0" i="0" u="none" baseline="0">
+              <a:rPr lang="pl" sz="2400" b="0" i="0" u="none" strike="noStrike" cap="none" baseline="0" dirty="0">
                 <a:solidFill>
                   <a:srgbClr val="00FF00"/>
                 </a:solidFill>
@@ -14641,22 +14866,10 @@
                 <a:cs typeface="Courier"/>
                 <a:sym typeface="Courier New"/>
               </a:rPr>
-              <a:t>  </a:t>
-            </a:r>
-            <a:r>
-              <a:rPr lang="pl" sz="2400" b="0" i="0" u="none" strike="noStrike" cap="none" baseline="0">
-                <a:solidFill>
-                  <a:srgbClr val="00FF00"/>
-                </a:solidFill>
-                <a:latin typeface="Courier"/>
-                <a:ea typeface="Courier"/>
-                <a:cs typeface="Courier"/>
-                <a:sym typeface="Courier New"/>
-              </a:rPr>
               <a:t>fname</a:t>
             </a:r>
             <a:r>
-              <a:rPr lang="pl" sz="2400" b="0" i="0" u="none" strike="noStrike" cap="none" baseline="0">
+              <a:rPr lang="pl" sz="2400" b="0" i="0" u="none" strike="noStrike" cap="none" baseline="0" dirty="0">
                 <a:solidFill>
                   <a:schemeClr val="lt1"/>
                 </a:solidFill>
@@ -14668,7 +14881,7 @@
               <a:t> = </a:t>
             </a:r>
             <a:r>
-              <a:rPr lang="pl" sz="2400" b="0" i="0" u="none" strike="noStrike" cap="none" baseline="0">
+              <a:rPr lang="pl" sz="2400" b="0" i="0" u="none" strike="noStrike" cap="none" baseline="0" dirty="0">
                 <a:solidFill>
                   <a:srgbClr val="FF00FF"/>
                 </a:solidFill>
@@ -14680,7 +14893,7 @@
               <a:t>input</a:t>
             </a:r>
             <a:r>
-              <a:rPr lang="pl" sz="2400" b="0" i="0" u="none" strike="noStrike" cap="none" baseline="0">
+              <a:rPr lang="pl" sz="2400" b="0" i="0" u="none" strike="noStrike" cap="none" baseline="0" dirty="0">
                 <a:solidFill>
                   <a:schemeClr val="lt1"/>
                 </a:solidFill>
@@ -14711,7 +14924,7 @@
               <a:buNone/>
             </a:pPr>
             <a:r>
-              <a:rPr lang="pl" sz="2400" b="0" i="0" u="none" baseline="0">
+              <a:rPr lang="pl" sz="2400" b="0" i="0" u="none" strike="noStrike" cap="none" baseline="0" dirty="0">
                 <a:solidFill>
                   <a:srgbClr val="FFFF00"/>
                 </a:solidFill>
@@ -14720,22 +14933,10 @@
                 <a:cs typeface="Courier"/>
                 <a:sym typeface="Courier New"/>
               </a:rPr>
-              <a:t>  </a:t>
-            </a:r>
-            <a:r>
-              <a:rPr lang="pl" sz="2400" b="0" i="0" u="none" strike="noStrike" cap="none" baseline="0">
-                <a:solidFill>
-                  <a:srgbClr val="FFFF00"/>
-                </a:solidFill>
-                <a:latin typeface="Courier"/>
-                <a:ea typeface="Courier"/>
-                <a:cs typeface="Courier"/>
-                <a:sym typeface="Courier New"/>
-              </a:rPr>
               <a:t>try</a:t>
             </a:r>
             <a:r>
-              <a:rPr lang="pl" sz="2400" b="0" i="0" u="none" strike="noStrike" cap="none" baseline="0">
+              <a:rPr lang="pl" sz="2400" b="0" i="0" u="none" strike="noStrike" cap="none" baseline="0" dirty="0">
                 <a:solidFill>
                   <a:schemeClr val="lt1"/>
                 </a:solidFill>
@@ -14766,19 +14967,19 @@
               <a:buNone/>
             </a:pPr>
             <a:r>
-              <a:rPr lang="pl" sz="2400" b="0" i="0" u="none" strike="noStrike" cap="none" baseline="0">
-                <a:solidFill>
-                  <a:schemeClr val="lt1"/>
-                </a:solidFill>
-                <a:latin typeface="Courier"/>
-                <a:ea typeface="Courier"/>
-                <a:cs typeface="Courier"/>
-                <a:sym typeface="Courier New"/>
-              </a:rPr>
-              <a:t>      </a:t>
-            </a:r>
-            <a:r>
-              <a:rPr lang="pl" sz="2400" b="0" i="0" u="none" strike="noStrike" cap="none" baseline="0">
+              <a:rPr lang="pl" sz="2400" b="0" i="0" u="none" strike="noStrike" cap="none" baseline="0" dirty="0">
+                <a:solidFill>
+                  <a:schemeClr val="lt1"/>
+                </a:solidFill>
+                <a:latin typeface="Courier"/>
+                <a:ea typeface="Courier"/>
+                <a:cs typeface="Courier"/>
+                <a:sym typeface="Courier New"/>
+              </a:rPr>
+              <a:t>    </a:t>
+            </a:r>
+            <a:r>
+              <a:rPr lang="pl" sz="2400" b="0" i="0" u="none" strike="noStrike" cap="none" baseline="0" dirty="0">
                 <a:solidFill>
                   <a:srgbClr val="00FF00"/>
                 </a:solidFill>
@@ -14790,7 +14991,7 @@
               <a:t>fhand</a:t>
             </a:r>
             <a:r>
-              <a:rPr lang="pl" sz="2400" b="0" i="0" u="none" strike="noStrike" cap="none" baseline="0">
+              <a:rPr lang="pl" sz="2400" b="0" i="0" u="none" strike="noStrike" cap="none" baseline="0" dirty="0">
                 <a:solidFill>
                   <a:schemeClr val="lt1"/>
                 </a:solidFill>
@@ -14802,7 +15003,7 @@
               <a:t> = </a:t>
             </a:r>
             <a:r>
-              <a:rPr lang="pl" sz="2400" b="0" i="0" u="none" strike="noStrike" cap="none" baseline="0">
+              <a:rPr lang="pl" sz="2400" b="0" i="0" u="none" strike="noStrike" cap="none" baseline="0" dirty="0">
                 <a:solidFill>
                   <a:srgbClr val="FF00FF"/>
                 </a:solidFill>
@@ -14814,7 +15015,7 @@
               <a:t>open</a:t>
             </a:r>
             <a:r>
-              <a:rPr lang="pl" sz="2400" b="0" i="0" u="none" strike="noStrike" cap="none" baseline="0">
+              <a:rPr lang="pl" sz="2400" b="0" i="0" u="none" strike="noStrike" cap="none" baseline="0" dirty="0">
                 <a:solidFill>
                   <a:schemeClr val="lt1"/>
                 </a:solidFill>
@@ -14826,7 +15027,7 @@
               <a:t>(</a:t>
             </a:r>
             <a:r>
-              <a:rPr lang="pl" sz="2400" b="0" i="0" u="none" strike="noStrike" cap="none" baseline="0">
+              <a:rPr lang="pl" sz="2400" b="0" i="0" u="none" strike="noStrike" cap="none" baseline="0" dirty="0">
                 <a:solidFill>
                   <a:srgbClr val="00FF00"/>
                 </a:solidFill>
@@ -14838,7 +15039,7 @@
               <a:t>fname</a:t>
             </a:r>
             <a:r>
-              <a:rPr lang="pl" sz="2400" b="0" i="0" u="none" strike="noStrike" cap="none" baseline="0">
+              <a:rPr lang="pl" sz="2400" b="0" i="0" u="none" strike="noStrike" cap="none" baseline="0" dirty="0">
                 <a:solidFill>
                   <a:schemeClr val="lt1"/>
                 </a:solidFill>
@@ -14869,7 +15070,7 @@
               <a:buNone/>
             </a:pPr>
             <a:r>
-              <a:rPr lang="pl" sz="2400" b="0" i="0" u="none" baseline="0">
+              <a:rPr lang="pl" sz="2400" b="0" i="0" u="none" strike="noStrike" cap="none" baseline="0" dirty="0">
                 <a:solidFill>
                   <a:srgbClr val="FFFF00"/>
                 </a:solidFill>
@@ -14878,10 +15079,42 @@
                 <a:cs typeface="Courier"/>
                 <a:sym typeface="Courier New"/>
               </a:rPr>
-              <a:t>  </a:t>
-            </a:r>
-            <a:r>
-              <a:rPr lang="pl" sz="2400" b="0" i="0" u="none" strike="noStrike" cap="none" baseline="0">
+              <a:t>except</a:t>
+            </a:r>
+            <a:r>
+              <a:rPr lang="pl" sz="2400" b="0" i="0" u="none" strike="noStrike" cap="none" baseline="0" dirty="0">
+                <a:solidFill>
+                  <a:schemeClr val="lt1"/>
+                </a:solidFill>
+                <a:latin typeface="Courier"/>
+                <a:ea typeface="Courier"/>
+                <a:cs typeface="Courier"/>
+                <a:sym typeface="Courier New"/>
+              </a:rPr>
+              <a:t>:</a:t>
+            </a:r>
+          </a:p>
+          <a:p>
+            <a:pPr lvl="0" algn="l" rtl="0">
+              <a:buClr>
+                <a:schemeClr val="lt1"/>
+              </a:buClr>
+              <a:buSzPct val="25000"/>
+            </a:pPr>
+            <a:r>
+              <a:rPr lang="pl" sz="2400" b="0" i="0" u="none" strike="noStrike" cap="none" baseline="0" dirty="0">
+                <a:solidFill>
+                  <a:schemeClr val="lt1"/>
+                </a:solidFill>
+                <a:latin typeface="Courier"/>
+                <a:ea typeface="Courier"/>
+                <a:cs typeface="Courier"/>
+                <a:sym typeface="Courier New"/>
+              </a:rPr>
+              <a:t>    </a:t>
+            </a:r>
+            <a:r>
+              <a:rPr lang="pl" sz="2400" b="0" i="0" u="none" strike="noStrike" cap="none" baseline="0" dirty="0">
                 <a:solidFill>
                   <a:srgbClr val="FFFF00"/>
                 </a:solidFill>
@@ -14890,54 +15123,10 @@
                 <a:cs typeface="Courier"/>
                 <a:sym typeface="Courier New"/>
               </a:rPr>
-              <a:t>except</a:t>
-            </a:r>
-            <a:r>
-              <a:rPr lang="pl" sz="2400" b="0" i="0" u="none" strike="noStrike" cap="none" baseline="0">
-                <a:solidFill>
-                  <a:schemeClr val="lt1"/>
-                </a:solidFill>
-                <a:latin typeface="Courier"/>
-                <a:ea typeface="Courier"/>
-                <a:cs typeface="Courier"/>
-                <a:sym typeface="Courier New"/>
-              </a:rPr>
-              <a:t>:</a:t>
-            </a:r>
-          </a:p>
-          <a:p>
-            <a:pPr lvl="0" algn="l" rtl="0">
-              <a:buClr>
-                <a:schemeClr val="lt1"/>
-              </a:buClr>
-              <a:buSzPct val="25000"/>
-            </a:pPr>
-            <a:r>
-              <a:rPr lang="pl" sz="2400" b="0" i="0" u="none" strike="noStrike" cap="none" baseline="0">
-                <a:solidFill>
-                  <a:schemeClr val="lt1"/>
-                </a:solidFill>
-                <a:latin typeface="Courier"/>
-                <a:ea typeface="Courier"/>
-                <a:cs typeface="Courier"/>
-                <a:sym typeface="Courier New"/>
-              </a:rPr>
-              <a:t>      </a:t>
-            </a:r>
-            <a:r>
-              <a:rPr lang="pl" sz="2400" b="0" i="0" u="none" strike="noStrike" cap="none" baseline="0">
-                <a:solidFill>
-                  <a:srgbClr val="FFFF00"/>
-                </a:solidFill>
-                <a:latin typeface="Courier"/>
-                <a:ea typeface="Courier"/>
-                <a:cs typeface="Courier"/>
-                <a:sym typeface="Courier New"/>
-              </a:rPr>
               <a:t>print</a:t>
             </a:r>
             <a:r>
-              <a:rPr lang="pl" sz="2400" b="0" i="0" u="none" baseline="0">
+              <a:rPr lang="pl" sz="2400" b="0" i="0" u="none" baseline="0" dirty="0">
                 <a:solidFill>
                   <a:schemeClr val="lt1"/>
                 </a:solidFill>
@@ -14949,7 +15138,7 @@
               <a:t>(</a:t>
             </a:r>
             <a:r>
-              <a:rPr lang="pl" sz="2400" b="0" i="0" u="none" strike="noStrike" cap="none" baseline="0">
+              <a:rPr lang="pl" sz="2400" b="0" i="0" u="none" strike="noStrike" cap="none" baseline="0" dirty="0">
                 <a:solidFill>
                   <a:schemeClr val="lt1"/>
                 </a:solidFill>
@@ -14961,7 +15150,7 @@
               <a:t>'Nie można otworzyć pliku:', </a:t>
             </a:r>
             <a:r>
-              <a:rPr lang="pl" sz="2400" b="0" i="0" u="none" strike="noStrike" cap="none" baseline="0">
+              <a:rPr lang="pl" sz="2400" b="0" i="0" u="none" strike="noStrike" cap="none" baseline="0" dirty="0">
                 <a:solidFill>
                   <a:srgbClr val="00FF00"/>
                 </a:solidFill>
@@ -14973,7 +15162,7 @@
               <a:t>fname</a:t>
             </a:r>
             <a:r>
-              <a:rPr lang="pl" sz="2400" b="0" i="0" u="none" baseline="0">
+              <a:rPr lang="pl" sz="2400" b="0" i="0" u="none" baseline="0" dirty="0">
                 <a:solidFill>
                   <a:schemeClr val="lt1"/>
                 </a:solidFill>
@@ -15013,19 +15202,19 @@
               <a:buNone/>
             </a:pPr>
             <a:r>
-              <a:rPr lang="pl" sz="2400" b="0" i="0" u="none" strike="noStrike" cap="none" baseline="0">
-                <a:solidFill>
-                  <a:schemeClr val="lt1"/>
-                </a:solidFill>
-                <a:latin typeface="Courier"/>
-                <a:ea typeface="Courier"/>
-                <a:cs typeface="Courier"/>
-                <a:sym typeface="Courier New"/>
-              </a:rPr>
-              <a:t>      </a:t>
-            </a:r>
-            <a:r>
-              <a:rPr lang="pl" sz="2400" b="0" i="0" u="none" strike="noStrike" cap="none" baseline="0">
+              <a:rPr lang="pl" sz="2400" b="0" i="0" u="none" strike="noStrike" cap="none" baseline="0" dirty="0">
+                <a:solidFill>
+                  <a:schemeClr val="lt1"/>
+                </a:solidFill>
+                <a:latin typeface="Courier"/>
+                <a:ea typeface="Courier"/>
+                <a:cs typeface="Courier"/>
+                <a:sym typeface="Courier New"/>
+              </a:rPr>
+              <a:t>    </a:t>
+            </a:r>
+            <a:r>
+              <a:rPr lang="pl" sz="2400" b="0" i="0" u="none" strike="noStrike" cap="none" baseline="0" dirty="0">
                 <a:solidFill>
                   <a:srgbClr val="FF00FF"/>
                 </a:solidFill>
@@ -15037,7 +15226,7 @@
               <a:t>quit</a:t>
             </a:r>
             <a:r>
-              <a:rPr lang="pl" sz="2400" b="0" i="0" u="none" strike="noStrike" cap="none" baseline="0">
+              <a:rPr lang="pl" sz="2400" b="0" i="0" u="none" strike="noStrike" cap="none" baseline="0" dirty="0">
                 <a:solidFill>
                   <a:schemeClr val="lt1"/>
                 </a:solidFill>
@@ -15104,7 +15293,7 @@
               <a:buNone/>
             </a:pPr>
             <a:r>
-              <a:rPr lang="pl" sz="2400" b="0" i="0" u="none" baseline="0">
+              <a:rPr lang="pl" sz="2400" b="0" i="0" u="none" strike="noStrike" cap="none" baseline="0" dirty="0">
                 <a:solidFill>
                   <a:srgbClr val="00FF00"/>
                 </a:solidFill>
@@ -15113,22 +15302,10 @@
                 <a:cs typeface="Courier"/>
                 <a:sym typeface="Courier New"/>
               </a:rPr>
-              <a:t>  </a:t>
-            </a:r>
-            <a:r>
-              <a:rPr lang="pl" sz="2400" b="0" i="0" u="none" strike="noStrike" cap="none" baseline="0">
-                <a:solidFill>
-                  <a:srgbClr val="00FF00"/>
-                </a:solidFill>
-                <a:latin typeface="Courier"/>
-                <a:ea typeface="Courier"/>
-                <a:cs typeface="Courier"/>
-                <a:sym typeface="Courier New"/>
-              </a:rPr>
               <a:t>count</a:t>
             </a:r>
             <a:r>
-              <a:rPr lang="pl" sz="2400" b="0" i="0" u="none" strike="noStrike" cap="none" baseline="0">
+              <a:rPr lang="pl" sz="2400" b="0" i="0" u="none" strike="noStrike" cap="none" baseline="0" dirty="0">
                 <a:solidFill>
                   <a:schemeClr val="lt1"/>
                 </a:solidFill>
@@ -15159,7 +15336,7 @@
               <a:buNone/>
             </a:pPr>
             <a:r>
-              <a:rPr lang="pl" sz="2400" b="0" i="0" u="none" baseline="0">
+              <a:rPr lang="pl" sz="2400" b="0" i="0" u="none" strike="noStrike" cap="none" baseline="0" dirty="0">
                 <a:solidFill>
                   <a:srgbClr val="FFFF00"/>
                 </a:solidFill>
@@ -15168,10 +15345,46 @@
                 <a:cs typeface="Courier"/>
                 <a:sym typeface="Courier New"/>
               </a:rPr>
-              <a:t>  </a:t>
-            </a:r>
-            <a:r>
-              <a:rPr lang="pl" sz="2400" b="0" i="0" u="none" strike="noStrike" cap="none" baseline="0">
+              <a:t>for</a:t>
+            </a:r>
+            <a:r>
+              <a:rPr lang="pl" sz="2400" b="0" i="0" u="none" strike="noStrike" cap="none" baseline="0" dirty="0">
+                <a:solidFill>
+                  <a:schemeClr val="lt1"/>
+                </a:solidFill>
+                <a:latin typeface="Courier"/>
+                <a:ea typeface="Courier"/>
+                <a:cs typeface="Courier"/>
+                <a:sym typeface="Courier New"/>
+              </a:rPr>
+              <a:t> </a:t>
+            </a:r>
+            <a:r>
+              <a:rPr lang="pl" sz="2400" b="0" i="0" u="none" strike="noStrike" cap="none" baseline="0" dirty="0">
+                <a:solidFill>
+                  <a:srgbClr val="00FF00"/>
+                </a:solidFill>
+                <a:latin typeface="Courier"/>
+                <a:ea typeface="Courier"/>
+                <a:cs typeface="Courier"/>
+                <a:sym typeface="Courier New"/>
+              </a:rPr>
+              <a:t>line</a:t>
+            </a:r>
+            <a:r>
+              <a:rPr lang="pl" sz="2400" b="0" i="0" u="none" strike="noStrike" cap="none" baseline="0" dirty="0">
+                <a:solidFill>
+                  <a:schemeClr val="lt1"/>
+                </a:solidFill>
+                <a:latin typeface="Courier"/>
+                <a:ea typeface="Courier"/>
+                <a:cs typeface="Courier"/>
+                <a:sym typeface="Courier New"/>
+              </a:rPr>
+              <a:t> </a:t>
+            </a:r>
+            <a:r>
+              <a:rPr lang="pl" sz="2400" b="0" i="0" u="none" strike="noStrike" cap="none" baseline="0" dirty="0">
                 <a:solidFill>
                   <a:srgbClr val="FFFF00"/>
                 </a:solidFill>
@@ -15180,10 +15393,10 @@
                 <a:cs typeface="Courier"/>
                 <a:sym typeface="Courier New"/>
               </a:rPr>
-              <a:t>for</a:t>
-            </a:r>
-            <a:r>
-              <a:rPr lang="pl" sz="2400" b="0" i="0" u="none" strike="noStrike" cap="none" baseline="0">
+              <a:t>in</a:t>
+            </a:r>
+            <a:r>
+              <a:rPr lang="pl" sz="2400" b="0" i="0" u="none" strike="noStrike" cap="none" baseline="0" dirty="0">
                 <a:solidFill>
                   <a:schemeClr val="lt1"/>
                 </a:solidFill>
@@ -15195,7 +15408,7 @@
               <a:t> </a:t>
             </a:r>
             <a:r>
-              <a:rPr lang="pl" sz="2400" b="0" i="0" u="none" strike="noStrike" cap="none" baseline="0">
+              <a:rPr lang="pl" sz="2400" b="0" i="0" u="none" strike="noStrike" cap="none" baseline="0" dirty="0">
                 <a:solidFill>
                   <a:srgbClr val="00FF00"/>
                 </a:solidFill>
@@ -15204,58 +15417,10 @@
                 <a:cs typeface="Courier"/>
                 <a:sym typeface="Courier New"/>
               </a:rPr>
-              <a:t>line</a:t>
-            </a:r>
-            <a:r>
-              <a:rPr lang="pl" sz="2400" b="0" i="0" u="none" strike="noStrike" cap="none" baseline="0">
-                <a:solidFill>
-                  <a:schemeClr val="lt1"/>
-                </a:solidFill>
-                <a:latin typeface="Courier"/>
-                <a:ea typeface="Courier"/>
-                <a:cs typeface="Courier"/>
-                <a:sym typeface="Courier New"/>
-              </a:rPr>
-              <a:t> </a:t>
-            </a:r>
-            <a:r>
-              <a:rPr lang="pl" sz="2400" b="0" i="0" u="none" strike="noStrike" cap="none" baseline="0">
-                <a:solidFill>
-                  <a:srgbClr val="FFFF00"/>
-                </a:solidFill>
-                <a:latin typeface="Courier"/>
-                <a:ea typeface="Courier"/>
-                <a:cs typeface="Courier"/>
-                <a:sym typeface="Courier New"/>
-              </a:rPr>
-              <a:t>in</a:t>
-            </a:r>
-            <a:r>
-              <a:rPr lang="pl" sz="2400" b="0" i="0" u="none" strike="noStrike" cap="none" baseline="0">
-                <a:solidFill>
-                  <a:schemeClr val="lt1"/>
-                </a:solidFill>
-                <a:latin typeface="Courier"/>
-                <a:ea typeface="Courier"/>
-                <a:cs typeface="Courier"/>
-                <a:sym typeface="Courier New"/>
-              </a:rPr>
-              <a:t> </a:t>
-            </a:r>
-            <a:r>
-              <a:rPr lang="pl" sz="2400" b="0" i="0" u="none" strike="noStrike" cap="none" baseline="0">
-                <a:solidFill>
-                  <a:srgbClr val="00FF00"/>
-                </a:solidFill>
-                <a:latin typeface="Courier"/>
-                <a:ea typeface="Courier"/>
-                <a:cs typeface="Courier"/>
-                <a:sym typeface="Courier New"/>
-              </a:rPr>
               <a:t>fhand</a:t>
             </a:r>
             <a:r>
-              <a:rPr lang="pl" sz="2400" b="0" i="0" u="none" strike="noStrike" cap="none" baseline="0">
+              <a:rPr lang="pl" sz="2400" b="0" i="0" u="none" strike="noStrike" cap="none" baseline="0" dirty="0">
                 <a:solidFill>
                   <a:schemeClr val="lt1"/>
                 </a:solidFill>
@@ -15286,19 +15451,19 @@
               <a:buNone/>
             </a:pPr>
             <a:r>
-              <a:rPr lang="pl" sz="2400" b="0" i="0" u="none" strike="noStrike" cap="none" baseline="0">
-                <a:solidFill>
-                  <a:schemeClr val="lt1"/>
-                </a:solidFill>
-                <a:latin typeface="Courier"/>
-                <a:ea typeface="Courier"/>
-                <a:cs typeface="Courier"/>
-                <a:sym typeface="Courier New"/>
-              </a:rPr>
-              <a:t>      </a:t>
-            </a:r>
-            <a:r>
-              <a:rPr lang="pl" sz="2400" b="0" i="0" u="none" strike="noStrike" cap="none" baseline="0">
+              <a:rPr lang="pl" sz="2400" b="0" i="0" u="none" strike="noStrike" cap="none" baseline="0" dirty="0">
+                <a:solidFill>
+                  <a:schemeClr val="lt1"/>
+                </a:solidFill>
+                <a:latin typeface="Courier"/>
+                <a:ea typeface="Courier"/>
+                <a:cs typeface="Courier"/>
+                <a:sym typeface="Courier New"/>
+              </a:rPr>
+              <a:t>    </a:t>
+            </a:r>
+            <a:r>
+              <a:rPr lang="pl" sz="2400" b="0" i="0" u="none" strike="noStrike" cap="none" baseline="0" dirty="0">
                 <a:solidFill>
                   <a:srgbClr val="FFFF00"/>
                 </a:solidFill>
@@ -15310,7 +15475,7 @@
               <a:t>if</a:t>
             </a:r>
             <a:r>
-              <a:rPr lang="pl" sz="2400" b="0" i="0" u="none" strike="noStrike" cap="none" baseline="0">
+              <a:rPr lang="pl" sz="2400" b="0" i="0" u="none" strike="noStrike" cap="none" baseline="0" dirty="0">
                 <a:solidFill>
                   <a:schemeClr val="lt1"/>
                 </a:solidFill>
@@ -15322,7 +15487,7 @@
               <a:t> </a:t>
             </a:r>
             <a:r>
-              <a:rPr lang="pl" sz="2400" b="0" i="0" u="none" strike="noStrike" cap="none" baseline="0">
+              <a:rPr lang="pl" sz="2400" b="0" i="0" u="none" strike="noStrike" cap="none" baseline="0" dirty="0">
                 <a:solidFill>
                   <a:srgbClr val="00FF00"/>
                 </a:solidFill>
@@ -15334,7 +15499,7 @@
               <a:t>line</a:t>
             </a:r>
             <a:r>
-              <a:rPr lang="pl" sz="2400" b="0" i="0" u="none" strike="noStrike" cap="none" baseline="0">
+              <a:rPr lang="pl" sz="2400" b="0" i="0" u="none" strike="noStrike" cap="none" baseline="0" dirty="0">
                 <a:solidFill>
                   <a:srgbClr val="FF00FF"/>
                 </a:solidFill>
@@ -15346,7 +15511,7 @@
               <a:t>.startswith</a:t>
             </a:r>
             <a:r>
-              <a:rPr lang="pl" sz="2400" b="0" i="0" u="none" strike="noStrike" cap="none" baseline="0">
+              <a:rPr lang="pl" sz="2400" b="0" i="0" u="none" strike="noStrike" cap="none" baseline="0" dirty="0">
                 <a:solidFill>
                   <a:schemeClr val="lt1"/>
                 </a:solidFill>
@@ -15377,19 +15542,19 @@
               <a:buNone/>
             </a:pPr>
             <a:r>
-              <a:rPr lang="pl" sz="2400" b="0" i="0" u="none" strike="noStrike" cap="none" baseline="0">
-                <a:solidFill>
-                  <a:schemeClr val="lt1"/>
-                </a:solidFill>
-                <a:latin typeface="Courier"/>
-                <a:ea typeface="Courier"/>
-                <a:cs typeface="Courier"/>
-                <a:sym typeface="Courier New"/>
-              </a:rPr>
-              <a:t>          </a:t>
-            </a:r>
-            <a:r>
-              <a:rPr lang="pl" sz="2400" b="0" i="0" u="none" strike="noStrike" cap="none" baseline="0">
+              <a:rPr lang="pl" sz="2400" b="0" i="0" u="none" strike="noStrike" cap="none" baseline="0" dirty="0">
+                <a:solidFill>
+                  <a:schemeClr val="lt1"/>
+                </a:solidFill>
+                <a:latin typeface="Courier"/>
+                <a:ea typeface="Courier"/>
+                <a:cs typeface="Courier"/>
+                <a:sym typeface="Courier New"/>
+              </a:rPr>
+              <a:t>        </a:t>
+            </a:r>
+            <a:r>
+              <a:rPr lang="pl" sz="2400" b="0" i="0" u="none" strike="noStrike" cap="none" baseline="0" dirty="0">
                 <a:solidFill>
                   <a:srgbClr val="00FF00"/>
                 </a:solidFill>
@@ -15401,7 +15566,7 @@
               <a:t>count</a:t>
             </a:r>
             <a:r>
-              <a:rPr lang="pl" sz="2400" b="0" i="0" u="none" strike="noStrike" cap="none" baseline="0">
+              <a:rPr lang="pl" sz="2400" b="0" i="0" u="none" strike="noStrike" cap="none" baseline="0" dirty="0">
                 <a:solidFill>
                   <a:schemeClr val="lt1"/>
                 </a:solidFill>
@@ -15413,7 +15578,7 @@
               <a:t> = </a:t>
             </a:r>
             <a:r>
-              <a:rPr lang="pl" sz="2400" b="0" i="0" u="none" strike="noStrike" cap="none" baseline="0">
+              <a:rPr lang="pl" sz="2400" b="0" i="0" u="none" strike="noStrike" cap="none" baseline="0" dirty="0">
                 <a:solidFill>
                   <a:srgbClr val="00FF00"/>
                 </a:solidFill>
@@ -15425,7 +15590,7 @@
               <a:t>count</a:t>
             </a:r>
             <a:r>
-              <a:rPr lang="pl" sz="2400" b="0" i="0" u="none" strike="noStrike" cap="none" baseline="0">
+              <a:rPr lang="pl" sz="2400" b="0" i="0" u="none" strike="noStrike" cap="none" baseline="0" dirty="0">
                 <a:solidFill>
                   <a:schemeClr val="lt1"/>
                 </a:solidFill>
@@ -15445,7 +15610,7 @@
               <a:buSzPct val="25000"/>
             </a:pPr>
             <a:r>
-              <a:rPr lang="pl" sz="2400" b="0" i="0" u="none" strike="noStrike" cap="none" baseline="0">
+              <a:rPr lang="pl" sz="2400" b="0" i="0" u="none" strike="noStrike" cap="none" baseline="0" dirty="0">
                 <a:solidFill>
                   <a:srgbClr val="FFFF00"/>
                 </a:solidFill>
@@ -15457,7 +15622,7 @@
               <a:t>print</a:t>
             </a:r>
             <a:r>
-              <a:rPr lang="pl" sz="2400" b="0" i="0" u="none" baseline="0">
+              <a:rPr lang="pl" sz="2400" b="0" i="0" u="none" baseline="0" dirty="0">
                 <a:solidFill>
                   <a:schemeClr val="lt1"/>
                 </a:solidFill>
@@ -15469,7 +15634,7 @@
               <a:t>(</a:t>
             </a:r>
             <a:r>
-              <a:rPr lang="pl" sz="2400" b="0" i="0" u="none" strike="noStrike" cap="none" baseline="0">
+              <a:rPr lang="pl" sz="2400" b="0" i="0" u="none" strike="noStrike" cap="none" baseline="0" dirty="0">
                 <a:solidFill>
                   <a:schemeClr val="lt1"/>
                 </a:solidFill>
@@ -15481,7 +15646,7 @@
               <a:t>'Mamy', </a:t>
             </a:r>
             <a:r>
-              <a:rPr lang="pl" sz="2400" b="0" i="0" u="none" strike="noStrike" cap="none" baseline="0">
+              <a:rPr lang="pl" sz="2400" b="0" i="0" u="none" strike="noStrike" cap="none" baseline="0" dirty="0">
                 <a:solidFill>
                   <a:srgbClr val="00FF00"/>
                 </a:solidFill>
@@ -15493,16 +15658,40 @@
               <a:t>count</a:t>
             </a:r>
             <a:r>
-              <a:rPr lang="pl" sz="2400" b="0" i="0" u="none" strike="noStrike" cap="none" baseline="0">
-                <a:solidFill>
-                  <a:schemeClr val="lt1"/>
-                </a:solidFill>
-                <a:latin typeface="Courier"/>
-                <a:ea typeface="Courier"/>
-                <a:cs typeface="Courier"/>
-                <a:sym typeface="Courier New"/>
-              </a:rPr>
-              <a:t>, 'linii z tematem w pliku', fname)</a:t>
+              <a:rPr lang="pl" sz="2400" b="0" i="0" u="none" strike="noStrike" cap="none" baseline="0" dirty="0">
+                <a:solidFill>
+                  <a:schemeClr val="lt1"/>
+                </a:solidFill>
+                <a:latin typeface="Courier"/>
+                <a:ea typeface="Courier"/>
+                <a:cs typeface="Courier"/>
+                <a:sym typeface="Courier New"/>
+              </a:rPr>
+              <a:t>, 'linii z tematem w pliku', </a:t>
+            </a:r>
+            <a:r>
+              <a:rPr lang="pl" sz="2400" b="0" i="0" u="none" strike="noStrike" cap="none" baseline="0" dirty="0">
+                <a:solidFill>
+                  <a:srgbClr val="00FF00"/>
+                </a:solidFill>
+                <a:latin typeface="Courier"/>
+                <a:ea typeface="Courier"/>
+                <a:cs typeface="Courier"/>
+                <a:sym typeface="Courier New"/>
+              </a:rPr>
+              <a:t>fname</a:t>
+            </a:r>
+            <a:r>
+              <a:rPr lang="pl" sz="2400" b="0" i="0" u="none" strike="noStrike" cap="none" baseline="0" dirty="0">
+                <a:solidFill>
+                  <a:schemeClr val="lt1"/>
+                </a:solidFill>
+                <a:latin typeface="Courier"/>
+                <a:ea typeface="Courier"/>
+                <a:cs typeface="Courier"/>
+                <a:sym typeface="Courier New"/>
+              </a:rPr>
+              <a:t>)</a:t>
             </a:r>
             <a:endParaRPr lang="pl" sz="2400" i="0" u="none" strike="noStrike" cap="none" dirty="0">
               <a:solidFill>
@@ -16515,8 +16704,85 @@
                   <a:srgbClr val="FFFFFF"/>
                 </a:solidFill>
               </a:rPr>
-              <a:t>Autorstwo pierwszej wersji: Charles Severance, University of Michigan School of Information</a:t>
-            </a:r>
+              <a:t>Autorstwo pierwszej wersji: Charles Severance, </a:t>
+            </a:r>
+            <a:br>
+              <a:rPr lang="en-US" sz="1800" b="0" i="0" u="none" baseline="0" dirty="0">
+                <a:solidFill>
+                  <a:srgbClr val="FFFFFF"/>
+                </a:solidFill>
+              </a:rPr>
+            </a:br>
+            <a:r>
+              <a:rPr lang="pl" sz="1800" b="0" i="0" u="none" baseline="0" dirty="0">
+                <a:solidFill>
+                  <a:srgbClr val="FFFFFF"/>
+                </a:solidFill>
+              </a:rPr>
+              <a:t>University of Michigan School of Information</a:t>
+            </a:r>
+            <a:endParaRPr lang="en-US" sz="1800" b="0" i="0" u="none" baseline="0" dirty="0">
+              <a:solidFill>
+                <a:srgbClr val="FFFFFF"/>
+              </a:solidFill>
+            </a:endParaRPr>
+          </a:p>
+          <a:p>
+            <a:pPr lvl="0" algn="l" rtl="0">
+              <a:spcBef>
+                <a:spcPts val="0"/>
+              </a:spcBef>
+              <a:buNone/>
+            </a:pPr>
+            <a:endParaRPr lang="en-US" sz="1800" dirty="0">
+              <a:solidFill>
+                <a:srgbClr val="FFFFFF"/>
+              </a:solidFill>
+            </a:endParaRPr>
+          </a:p>
+          <a:p>
+            <a:pPr lvl="0" algn="l" rtl="0">
+              <a:spcBef>
+                <a:spcPts val="0"/>
+              </a:spcBef>
+              <a:buNone/>
+            </a:pPr>
+            <a:r>
+              <a:rPr lang="pl-PL" sz="1800" dirty="0">
+                <a:solidFill>
+                  <a:srgbClr val="FFFFFF"/>
+                </a:solidFill>
+              </a:rPr>
+              <a:t>Polska wersja powstała z inicjatywy Wydziału Matematyki </a:t>
+            </a:r>
+            <a:br>
+              <a:rPr lang="en-US" sz="1800" dirty="0">
+                <a:solidFill>
+                  <a:srgbClr val="FFFFFF"/>
+                </a:solidFill>
+              </a:rPr>
+            </a:br>
+            <a:r>
+              <a:rPr lang="pl-PL" sz="1800" dirty="0">
+                <a:solidFill>
+                  <a:srgbClr val="FFFFFF"/>
+                </a:solidFill>
+              </a:rPr>
+              <a:t>i Informatyki Uniwersytetu im. </a:t>
+            </a:r>
+            <a:r>
+              <a:rPr lang="pl-PL" sz="1800">
+                <a:solidFill>
+                  <a:srgbClr val="FFFFFF"/>
+                </a:solidFill>
+              </a:rPr>
+              <a:t>Adama Mickiewicza w Poznaniu</a:t>
+            </a:r>
+            <a:endParaRPr lang="en-US" sz="1800" dirty="0">
+              <a:solidFill>
+                <a:srgbClr val="FFFFFF"/>
+              </a:solidFill>
+            </a:endParaRPr>
           </a:p>
           <a:p>
             <a:pPr lvl="0" algn="l" rtl="0">
@@ -16544,23 +16810,7 @@
                   <a:srgbClr val="FFFFFF"/>
                 </a:solidFill>
               </a:rPr>
-              <a:t>Tłumaczenie</a:t>
-            </a:r>
-            <a:r>
-              <a:rPr lang="pl" sz="1800" b="0" i="0" u="none" baseline="0">
-                <a:solidFill>
-                  <a:srgbClr val="FFFFFF"/>
-                </a:solidFill>
-              </a:rPr>
-              <a:t>: Agata i Krzysztof Wierzbiccy</a:t>
-            </a:r>
-            <a:r>
-              <a:rPr lang="pl" sz="1800" b="0" i="0" u="none" baseline="0" dirty="0">
-                <a:solidFill>
-                  <a:srgbClr val="FFFFFF"/>
-                </a:solidFill>
-              </a:rPr>
-              <a:t>, EnglishT.eu </a:t>
+              <a:t>Tłumaczenie: Agata i Krzysztof Wierzbiccy, EnglishT.eu </a:t>
             </a:r>
           </a:p>
           <a:p>
@@ -17088,7 +17338,7 @@
               <a:buNone/>
             </a:pPr>
             <a:r>
-              <a:rPr lang="pl" sz="3000" b="0" i="0" u="sng" strike="noStrike" cap="none" baseline="0">
+              <a:rPr lang="pl-PL" sz="3000" b="0" i="0" u="sng" strike="noStrike" cap="none" baseline="0" dirty="0">
                 <a:solidFill>
                   <a:srgbClr val="FFFF00"/>
                 </a:solidFill>
@@ -17098,7 +17348,7 @@
                 <a:sym typeface="Cabin"/>
                 <a:hlinkClick r:id="rId3"/>
               </a:rPr>
-              <a:t>http://www.py4e.com/code/mbox-short.txt</a:t>
+              <a:t>https://py4e.pl/code3/mbox-short.txt</a:t>
             </a:r>
             <a:endParaRPr lang="pl" sz="3000" u="sng" strike="noStrike" cap="none" dirty="0">
               <a:solidFill>
@@ -17108,7 +17358,7 @@
               <a:ea typeface="Arial" charset="0"/>
               <a:cs typeface="Arial" charset="0"/>
               <a:sym typeface="Cabin"/>
-              <a:hlinkClick r:id="rId3"/>
+              <a:hlinkClick r:id="rId4"/>
             </a:endParaRPr>
           </a:p>
         </p:txBody>
@@ -18306,29 +18556,32 @@
       </p:sp>
       <p:pic>
         <p:nvPicPr>
-          <p:cNvPr id="255" name="Shape 255"/>
-          <p:cNvPicPr preferRelativeResize="0"/>
+          <p:cNvPr id="3" name="Picture 2">
+            <a:extLst>
+              <a:ext uri="{FF2B5EF4-FFF2-40B4-BE49-F238E27FC236}">
+                <a16:creationId xmlns:a16="http://schemas.microsoft.com/office/drawing/2014/main" id="{A58A710F-E1D7-482F-B5F4-DEFA182369A2}"/>
+              </a:ext>
+            </a:extLst>
+          </p:cNvPr>
+          <p:cNvPicPr>
+            <a:picLocks noChangeAspect="1"/>
+          </p:cNvPicPr>
           <p:nvPr/>
         </p:nvPicPr>
-        <p:blipFill rotWithShape="1">
-          <a:blip r:embed="rId3">
-            <a:alphaModFix/>
-          </a:blip>
-          <a:srcRect/>
-          <a:stretch/>
+        <p:blipFill>
+          <a:blip r:embed="rId3"/>
+          <a:stretch>
+            <a:fillRect/>
+          </a:stretch>
         </p:blipFill>
         <p:spPr>
           <a:xfrm>
-            <a:off x="7915276" y="4647657"/>
-            <a:ext cx="7072312" cy="3462338"/>
+            <a:off x="8483157" y="4929227"/>
+            <a:ext cx="6604543" cy="3502767"/>
           </a:xfrm>
           <a:prstGeom prst="rect">
             <a:avLst/>
           </a:prstGeom>
-          <a:noFill/>
-          <a:ln>
-            <a:noFill/>
-          </a:ln>
         </p:spPr>
       </p:pic>
     </p:spTree>
